--- a/figure-1/Fig-1.pptx
+++ b/figure-1/Fig-1.pptx
@@ -208,7 +208,7 @@
           <a:p>
             <a:fld id="{4F405BEB-624C-7944-B04F-47802A4A37F3}" type="datetimeFigureOut">
               <a:rPr lang="en-US" smtClean="0"/>
-              <a:t>7/18/22</a:t>
+              <a:t>8/2/22</a:t>
             </a:fld>
             <a:endParaRPr lang="en-US"/>
           </a:p>
@@ -606,7 +606,7 @@
           <a:p>
             <a:fld id="{5AE4C86A-FCC4-8247-A7C0-BE0B89853347}" type="datetimeFigureOut">
               <a:rPr lang="en-US" smtClean="0"/>
-              <a:t>7/18/22</a:t>
+              <a:t>8/2/22</a:t>
             </a:fld>
             <a:endParaRPr lang="en-US"/>
           </a:p>
@@ -777,7 +777,7 @@
           <a:p>
             <a:fld id="{5AE4C86A-FCC4-8247-A7C0-BE0B89853347}" type="datetimeFigureOut">
               <a:rPr lang="en-US" smtClean="0"/>
-              <a:t>7/18/22</a:t>
+              <a:t>8/2/22</a:t>
             </a:fld>
             <a:endParaRPr lang="en-US"/>
           </a:p>
@@ -957,7 +957,7 @@
           <a:p>
             <a:fld id="{5AE4C86A-FCC4-8247-A7C0-BE0B89853347}" type="datetimeFigureOut">
               <a:rPr lang="en-US" smtClean="0"/>
-              <a:t>7/18/22</a:t>
+              <a:t>8/2/22</a:t>
             </a:fld>
             <a:endParaRPr lang="en-US"/>
           </a:p>
@@ -1127,7 +1127,7 @@
           <a:p>
             <a:fld id="{5AE4C86A-FCC4-8247-A7C0-BE0B89853347}" type="datetimeFigureOut">
               <a:rPr lang="en-US" smtClean="0"/>
-              <a:t>7/18/22</a:t>
+              <a:t>8/2/22</a:t>
             </a:fld>
             <a:endParaRPr lang="en-US"/>
           </a:p>
@@ -1371,7 +1371,7 @@
           <a:p>
             <a:fld id="{5AE4C86A-FCC4-8247-A7C0-BE0B89853347}" type="datetimeFigureOut">
               <a:rPr lang="en-US" smtClean="0"/>
-              <a:t>7/18/22</a:t>
+              <a:t>8/2/22</a:t>
             </a:fld>
             <a:endParaRPr lang="en-US"/>
           </a:p>
@@ -1603,7 +1603,7 @@
           <a:p>
             <a:fld id="{5AE4C86A-FCC4-8247-A7C0-BE0B89853347}" type="datetimeFigureOut">
               <a:rPr lang="en-US" smtClean="0"/>
-              <a:t>7/18/22</a:t>
+              <a:t>8/2/22</a:t>
             </a:fld>
             <a:endParaRPr lang="en-US"/>
           </a:p>
@@ -1970,7 +1970,7 @@
           <a:p>
             <a:fld id="{5AE4C86A-FCC4-8247-A7C0-BE0B89853347}" type="datetimeFigureOut">
               <a:rPr lang="en-US" smtClean="0"/>
-              <a:t>7/18/22</a:t>
+              <a:t>8/2/22</a:t>
             </a:fld>
             <a:endParaRPr lang="en-US"/>
           </a:p>
@@ -2088,7 +2088,7 @@
           <a:p>
             <a:fld id="{5AE4C86A-FCC4-8247-A7C0-BE0B89853347}" type="datetimeFigureOut">
               <a:rPr lang="en-US" smtClean="0"/>
-              <a:t>7/18/22</a:t>
+              <a:t>8/2/22</a:t>
             </a:fld>
             <a:endParaRPr lang="en-US"/>
           </a:p>
@@ -2183,7 +2183,7 @@
           <a:p>
             <a:fld id="{5AE4C86A-FCC4-8247-A7C0-BE0B89853347}" type="datetimeFigureOut">
               <a:rPr lang="en-US" smtClean="0"/>
-              <a:t>7/18/22</a:t>
+              <a:t>8/2/22</a:t>
             </a:fld>
             <a:endParaRPr lang="en-US"/>
           </a:p>
@@ -2460,7 +2460,7 @@
           <a:p>
             <a:fld id="{5AE4C86A-FCC4-8247-A7C0-BE0B89853347}" type="datetimeFigureOut">
               <a:rPr lang="en-US" smtClean="0"/>
-              <a:t>7/18/22</a:t>
+              <a:t>8/2/22</a:t>
             </a:fld>
             <a:endParaRPr lang="en-US"/>
           </a:p>
@@ -2717,7 +2717,7 @@
           <a:p>
             <a:fld id="{5AE4C86A-FCC4-8247-A7C0-BE0B89853347}" type="datetimeFigureOut">
               <a:rPr lang="en-US" smtClean="0"/>
-              <a:t>7/18/22</a:t>
+              <a:t>8/2/22</a:t>
             </a:fld>
             <a:endParaRPr lang="en-US"/>
           </a:p>
@@ -2930,7 +2930,7 @@
           <a:p>
             <a:fld id="{5AE4C86A-FCC4-8247-A7C0-BE0B89853347}" type="datetimeFigureOut">
               <a:rPr lang="en-US" smtClean="0"/>
-              <a:t>7/18/22</a:t>
+              <a:t>8/2/22</a:t>
             </a:fld>
             <a:endParaRPr lang="en-US"/>
           </a:p>
@@ -5414,10 +5414,10 @@
         </p:nvGrpSpPr>
         <p:grpSpPr>
           <a:xfrm>
-            <a:off x="85368" y="3021937"/>
-            <a:ext cx="7801834" cy="3232408"/>
-            <a:chOff x="195022" y="7150363"/>
-            <a:chExt cx="7801834" cy="3232408"/>
+            <a:off x="75561" y="3021937"/>
+            <a:ext cx="7811641" cy="3232408"/>
+            <a:chOff x="185215" y="7150363"/>
+            <a:chExt cx="7811641" cy="3232408"/>
           </a:xfrm>
         </p:grpSpPr>
         <p:pic>
@@ -6106,10 +6106,10 @@
           </p:nvGrpSpPr>
           <p:grpSpPr>
             <a:xfrm>
-              <a:off x="303746" y="7313057"/>
-              <a:ext cx="1651050" cy="988601"/>
-              <a:chOff x="-230072" y="4041696"/>
-              <a:chExt cx="1651050" cy="988601"/>
+              <a:off x="185215" y="7313057"/>
+              <a:ext cx="1651050" cy="1022467"/>
+              <a:chOff x="-348603" y="4041696"/>
+              <a:chExt cx="1651050" cy="1022467"/>
             </a:xfrm>
           </p:grpSpPr>
           <p:grpSp>
@@ -6126,9 +6126,9 @@
             </p:nvGrpSpPr>
             <p:grpSpPr>
               <a:xfrm>
-                <a:off x="-159971" y="4115897"/>
+                <a:off x="-295435" y="4149763"/>
                 <a:ext cx="914400" cy="914400"/>
-                <a:chOff x="65200" y="909486"/>
+                <a:chOff x="-70264" y="943352"/>
                 <a:chExt cx="914400" cy="914400"/>
               </a:xfrm>
             </p:grpSpPr>
@@ -6160,7 +6160,7 @@
               </p:blipFill>
               <p:spPr>
                 <a:xfrm>
-                  <a:off x="65200" y="909486"/>
+                  <a:off x="-70264" y="943352"/>
                   <a:ext cx="914400" cy="914400"/>
                 </a:xfrm>
                 <a:prstGeom prst="rect">
@@ -6182,7 +6182,7 @@
               </p:nvSpPr>
               <p:spPr>
                 <a:xfrm>
-                  <a:off x="455675" y="1531749"/>
+                  <a:off x="320211" y="1565615"/>
                   <a:ext cx="136306" cy="130428"/>
                 </a:xfrm>
                 <a:prstGeom prst="ellipse">
@@ -6218,7 +6218,7 @@
                 <a:lstStyle/>
                 <a:p>
                   <a:pPr algn="ctr"/>
-                  <a:endParaRPr lang="en-US"/>
+                  <a:endParaRPr lang="en-US" dirty="0"/>
                 </a:p>
               </p:txBody>
             </p:sp>
@@ -6236,7 +6236,7 @@
               </p:nvSpPr>
               <p:spPr>
                 <a:xfrm>
-                  <a:off x="494790" y="1433181"/>
+                  <a:off x="359326" y="1433181"/>
                   <a:ext cx="47390" cy="171047"/>
                 </a:xfrm>
                 <a:prstGeom prst="rect">
@@ -6277,8 +6277,8 @@
               </p:txBody>
             </p:sp>
           </p:grpSp>
-          <mc:AlternateContent xmlns:mc="http://schemas.openxmlformats.org/markup-compatibility/2006" xmlns:a14="http://schemas.microsoft.com/office/drawing/2010/main">
-            <mc:Choice Requires="a14">
+          <mc:AlternateContent xmlns:mc="http://schemas.openxmlformats.org/markup-compatibility/2006">
+            <mc:Choice xmlns:a14="http://schemas.microsoft.com/office/drawing/2010/main" Requires="a14">
               <p:sp>
                 <p:nvSpPr>
                   <p:cNvPr id="198" name="TextBox 197">
@@ -6293,7 +6293,7 @@
                 </p:nvSpPr>
                 <p:spPr>
                   <a:xfrm>
-                    <a:off x="-230072" y="4041696"/>
+                    <a:off x="-348603" y="4041696"/>
                     <a:ext cx="1651050" cy="430887"/>
                   </a:xfrm>
                   <a:prstGeom prst="rect">
@@ -6373,7 +6373,7 @@
                 </p:txBody>
               </p:sp>
             </mc:Choice>
-            <mc:Fallback xmlns="">
+            <mc:Fallback>
               <p:sp>
                 <p:nvSpPr>
                   <p:cNvPr id="198" name="TextBox 197">
@@ -6390,14 +6390,14 @@
                 </p:nvSpPr>
                 <p:spPr>
                   <a:xfrm>
-                    <a:off x="-230072" y="4041696"/>
+                    <a:off x="-348603" y="4041696"/>
                     <a:ext cx="1651050" cy="430887"/>
                   </a:xfrm>
                   <a:prstGeom prst="rect">
                     <a:avLst/>
                   </a:prstGeom>
                   <a:blipFill>
-                    <a:blip r:embed="rId21"/>
+                    <a:blip r:embed="rId16"/>
                     <a:stretch>
                       <a:fillRect b="-5714"/>
                     </a:stretch>
@@ -6433,9 +6433,9 @@
           </p:nvGrpSpPr>
           <p:grpSpPr>
             <a:xfrm>
-              <a:off x="985776" y="7294290"/>
+              <a:off x="867241" y="7311223"/>
               <a:ext cx="1651050" cy="1021615"/>
-              <a:chOff x="783643" y="3988894"/>
+              <a:chOff x="665108" y="4005827"/>
               <a:chExt cx="1651050" cy="1021615"/>
             </a:xfrm>
           </p:grpSpPr>
@@ -6453,9 +6453,9 @@
             </p:nvGrpSpPr>
             <p:grpSpPr>
               <a:xfrm>
-                <a:off x="832033" y="4096109"/>
+                <a:off x="713496" y="4113042"/>
                 <a:ext cx="914400" cy="914400"/>
-                <a:chOff x="65200" y="909486"/>
+                <a:chOff x="-53337" y="926419"/>
                 <a:chExt cx="914400" cy="914400"/>
               </a:xfrm>
             </p:grpSpPr>
@@ -6487,7 +6487,7 @@
               </p:blipFill>
               <p:spPr>
                 <a:xfrm>
-                  <a:off x="65200" y="909486"/>
+                  <a:off x="-53337" y="926419"/>
                   <a:ext cx="914400" cy="914400"/>
                 </a:xfrm>
                 <a:prstGeom prst="rect">
@@ -6509,7 +6509,7 @@
               </p:nvSpPr>
               <p:spPr>
                 <a:xfrm>
-                  <a:off x="455675" y="1531749"/>
+                  <a:off x="337138" y="1548682"/>
                   <a:ext cx="136306" cy="130428"/>
                 </a:xfrm>
                 <a:prstGeom prst="ellipse">
@@ -6563,7 +6563,7 @@
               </p:nvSpPr>
               <p:spPr>
                 <a:xfrm>
-                  <a:off x="496460" y="1411557"/>
+                  <a:off x="377929" y="1411557"/>
                   <a:ext cx="45719" cy="144545"/>
                 </a:xfrm>
                 <a:prstGeom prst="rect">
@@ -6599,13 +6599,13 @@
                 <a:lstStyle/>
                 <a:p>
                   <a:pPr algn="ctr"/>
-                  <a:endParaRPr lang="en-US"/>
+                  <a:endParaRPr lang="en-US" dirty="0"/>
                 </a:p>
               </p:txBody>
             </p:sp>
           </p:grpSp>
-          <mc:AlternateContent xmlns:mc="http://schemas.openxmlformats.org/markup-compatibility/2006" xmlns:a14="http://schemas.microsoft.com/office/drawing/2010/main">
-            <mc:Choice Requires="a14">
+          <mc:AlternateContent xmlns:mc="http://schemas.openxmlformats.org/markup-compatibility/2006">
+            <mc:Choice xmlns:a14="http://schemas.microsoft.com/office/drawing/2010/main" Requires="a14">
               <p:sp>
                 <p:nvSpPr>
                   <p:cNvPr id="204" name="TextBox 203">
@@ -6620,7 +6620,7 @@
                 </p:nvSpPr>
                 <p:spPr>
                   <a:xfrm>
-                    <a:off x="783643" y="3988894"/>
+                    <a:off x="665108" y="4005827"/>
                     <a:ext cx="1651050" cy="430887"/>
                   </a:xfrm>
                   <a:prstGeom prst="rect">
@@ -6654,14 +6654,14 @@
                             </m:sSubSupPr>
                             <m:e>
                               <m:r>
-                                <a:rPr lang="en-US" sz="2200" b="1" i="1">
+                                <a:rPr lang="en-US" sz="2200" b="1" i="1" smtClean="0">
                                   <a:solidFill>
                                     <a:srgbClr val="C00000"/>
                                   </a:solidFill>
                                   <a:latin typeface="Cambria Math" panose="02040503050406030204" pitchFamily="18" charset="0"/>
                                   <a:ea typeface="Cambria Math" panose="02040503050406030204" pitchFamily="18" charset="0"/>
                                 </a:rPr>
-                                <m:t>𝜶</m:t>
+                                <m:t>𝜷</m:t>
                               </m:r>
                             </m:e>
                             <m:sub>
@@ -6701,7 +6701,7 @@
                 </p:txBody>
               </p:sp>
             </mc:Choice>
-            <mc:Fallback xmlns="">
+            <mc:Fallback>
               <p:sp>
                 <p:nvSpPr>
                   <p:cNvPr id="204" name="TextBox 203">
@@ -6718,16 +6718,16 @@
                 </p:nvSpPr>
                 <p:spPr>
                   <a:xfrm>
-                    <a:off x="783643" y="3988894"/>
+                    <a:off x="665108" y="4005827"/>
                     <a:ext cx="1651050" cy="430887"/>
                   </a:xfrm>
                   <a:prstGeom prst="rect">
                     <a:avLst/>
                   </a:prstGeom>
                   <a:blipFill>
-                    <a:blip r:embed="rId22"/>
+                    <a:blip r:embed="rId17"/>
                     <a:stretch>
-                      <a:fillRect b="-5882"/>
+                      <a:fillRect b="-17143"/>
                     </a:stretch>
                   </a:blipFill>
                 </p:spPr>
@@ -7099,10 +7099,10 @@
         </p:nvGrpSpPr>
         <p:grpSpPr>
           <a:xfrm>
-            <a:off x="190419" y="6255099"/>
-            <a:ext cx="7773932" cy="2981005"/>
-            <a:chOff x="107635" y="3305710"/>
-            <a:chExt cx="7773932" cy="2981005"/>
+            <a:off x="-4339" y="6255099"/>
+            <a:ext cx="7968690" cy="2981005"/>
+            <a:chOff x="-87123" y="3305710"/>
+            <a:chExt cx="7968690" cy="2981005"/>
           </a:xfrm>
         </p:grpSpPr>
         <p:grpSp>
@@ -7119,10 +7119,10 @@
           </p:nvGrpSpPr>
           <p:grpSpPr>
             <a:xfrm>
-              <a:off x="107635" y="3305710"/>
-              <a:ext cx="7096148" cy="2981005"/>
-              <a:chOff x="112005" y="3817170"/>
-              <a:chExt cx="7096148" cy="2981005"/>
+              <a:off x="-87123" y="3305710"/>
+              <a:ext cx="7290906" cy="2981005"/>
+              <a:chOff x="-82753" y="3817170"/>
+              <a:chExt cx="7290906" cy="2981005"/>
             </a:xfrm>
           </p:grpSpPr>
           <p:sp>
@@ -8048,9 +8048,9 @@
             </p:nvGrpSpPr>
             <p:grpSpPr>
               <a:xfrm>
-                <a:off x="272843" y="4079267"/>
+                <a:off x="-82753" y="4079267"/>
                 <a:ext cx="1651050" cy="988601"/>
-                <a:chOff x="-230072" y="4041696"/>
+                <a:chOff x="-585668" y="4041696"/>
                 <a:chExt cx="1651050" cy="988601"/>
               </a:xfrm>
             </p:grpSpPr>
@@ -8068,9 +8068,9 @@
               </p:nvGrpSpPr>
               <p:grpSpPr>
                 <a:xfrm>
-                  <a:off x="-159971" y="4115897"/>
+                  <a:off x="-515567" y="4115897"/>
                   <a:ext cx="914400" cy="914400"/>
-                  <a:chOff x="65200" y="909486"/>
+                  <a:chOff x="-290396" y="909486"/>
                   <a:chExt cx="914400" cy="914400"/>
                 </a:xfrm>
               </p:grpSpPr>
@@ -8102,7 +8102,7 @@
                 </p:blipFill>
                 <p:spPr>
                   <a:xfrm>
-                    <a:off x="65200" y="909486"/>
+                    <a:off x="-290396" y="909486"/>
                     <a:ext cx="914400" cy="914400"/>
                   </a:xfrm>
                   <a:prstGeom prst="rect">
@@ -8124,7 +8124,7 @@
                 </p:nvSpPr>
                 <p:spPr>
                   <a:xfrm>
-                    <a:off x="455675" y="1531749"/>
+                    <a:off x="100079" y="1531749"/>
                     <a:ext cx="136306" cy="130428"/>
                   </a:xfrm>
                   <a:prstGeom prst="ellipse">
@@ -8178,7 +8178,7 @@
                 </p:nvSpPr>
                 <p:spPr>
                   <a:xfrm>
-                    <a:off x="496460" y="1040431"/>
+                    <a:off x="140863" y="1040431"/>
                     <a:ext cx="45719" cy="515672"/>
                   </a:xfrm>
                   <a:prstGeom prst="rect">
@@ -8219,8 +8219,8 @@
                 </p:txBody>
               </p:sp>
             </p:grpSp>
-            <mc:AlternateContent xmlns:mc="http://schemas.openxmlformats.org/markup-compatibility/2006" xmlns:a14="http://schemas.microsoft.com/office/drawing/2010/main">
-              <mc:Choice Requires="a14">
+            <mc:AlternateContent xmlns:mc="http://schemas.openxmlformats.org/markup-compatibility/2006">
+              <mc:Choice xmlns:a14="http://schemas.microsoft.com/office/drawing/2010/main" Requires="a14">
                 <p:sp>
                   <p:nvSpPr>
                     <p:cNvPr id="182" name="TextBox 181">
@@ -8235,7 +8235,7 @@
                   </p:nvSpPr>
                   <p:spPr>
                     <a:xfrm>
-                      <a:off x="-230072" y="4041696"/>
+                      <a:off x="-585668" y="4041696"/>
                       <a:ext cx="1651050" cy="430887"/>
                     </a:xfrm>
                     <a:prstGeom prst="rect">
@@ -8315,7 +8315,7 @@
                   </p:txBody>
                 </p:sp>
               </mc:Choice>
-              <mc:Fallback xmlns="">
+              <mc:Fallback>
                 <p:sp>
                   <p:nvSpPr>
                     <p:cNvPr id="182" name="TextBox 181">
@@ -8332,16 +8332,16 @@
                   </p:nvSpPr>
                   <p:spPr>
                     <a:xfrm>
-                      <a:off x="-230072" y="4041696"/>
+                      <a:off x="-585668" y="4041696"/>
                       <a:ext cx="1651050" cy="430887"/>
                     </a:xfrm>
                     <a:prstGeom prst="rect">
                       <a:avLst/>
                     </a:prstGeom>
                     <a:blipFill>
-                      <a:blip r:embed="rId17"/>
+                      <a:blip r:embed="rId25"/>
                       <a:stretch>
-                        <a:fillRect b="-5714"/>
+                        <a:fillRect b="-2857"/>
                       </a:stretch>
                     </a:blipFill>
                   </p:spPr>
@@ -8375,10 +8375,10 @@
             </p:nvGrpSpPr>
             <p:grpSpPr>
               <a:xfrm>
-                <a:off x="954873" y="4060500"/>
-                <a:ext cx="1651050" cy="1021615"/>
-                <a:chOff x="783643" y="3988894"/>
-                <a:chExt cx="1651050" cy="1021615"/>
+                <a:off x="1341923" y="4060500"/>
+                <a:ext cx="1145467" cy="1021615"/>
+                <a:chOff x="1170693" y="3988894"/>
+                <a:chExt cx="1145467" cy="1021615"/>
               </a:xfrm>
             </p:grpSpPr>
             <p:grpSp>
@@ -8395,9 +8395,9 @@
               </p:nvGrpSpPr>
               <p:grpSpPr>
                 <a:xfrm>
-                  <a:off x="832033" y="4096109"/>
+                  <a:off x="1170693" y="4096109"/>
                   <a:ext cx="914400" cy="914400"/>
-                  <a:chOff x="65200" y="909486"/>
+                  <a:chOff x="403860" y="909486"/>
                   <a:chExt cx="914400" cy="914400"/>
                 </a:xfrm>
               </p:grpSpPr>
@@ -8429,7 +8429,7 @@
                 </p:blipFill>
                 <p:spPr>
                   <a:xfrm>
-                    <a:off x="65200" y="909486"/>
+                    <a:off x="403860" y="909486"/>
                     <a:ext cx="914400" cy="914400"/>
                   </a:xfrm>
                   <a:prstGeom prst="rect">
@@ -8451,7 +8451,7 @@
                 </p:nvSpPr>
                 <p:spPr>
                   <a:xfrm>
-                    <a:off x="455675" y="1531749"/>
+                    <a:off x="794339" y="1531749"/>
                     <a:ext cx="136306" cy="130428"/>
                   </a:xfrm>
                   <a:prstGeom prst="ellipse">
@@ -8505,7 +8505,7 @@
                 </p:nvSpPr>
                 <p:spPr>
                   <a:xfrm>
-                    <a:off x="496460" y="1411557"/>
+                    <a:off x="835124" y="1411557"/>
                     <a:ext cx="45719" cy="144545"/>
                   </a:xfrm>
                   <a:prstGeom prst="rect">
@@ -8541,13 +8541,13 @@
                   <a:lstStyle/>
                   <a:p>
                     <a:pPr algn="ctr"/>
-                    <a:endParaRPr lang="en-US"/>
+                    <a:endParaRPr lang="en-US" dirty="0"/>
                   </a:p>
                 </p:txBody>
               </p:sp>
             </p:grpSp>
-            <mc:AlternateContent xmlns:mc="http://schemas.openxmlformats.org/markup-compatibility/2006" xmlns:a14="http://schemas.microsoft.com/office/drawing/2010/main">
-              <mc:Choice Requires="a14">
+            <mc:AlternateContent xmlns:mc="http://schemas.openxmlformats.org/markup-compatibility/2006">
+              <mc:Choice xmlns:a14="http://schemas.microsoft.com/office/drawing/2010/main" Requires="a14">
                 <p:sp>
                   <p:nvSpPr>
                     <p:cNvPr id="186" name="TextBox 185">
@@ -8562,8 +8562,8 @@
                   </p:nvSpPr>
                   <p:spPr>
                     <a:xfrm>
-                      <a:off x="783643" y="3988894"/>
-                      <a:ext cx="1651050" cy="430887"/>
+                      <a:off x="1596403" y="3988894"/>
+                      <a:ext cx="719757" cy="430887"/>
                     </a:xfrm>
                     <a:prstGeom prst="rect">
                       <a:avLst/>
@@ -8643,7 +8643,7 @@
                   </p:txBody>
                 </p:sp>
               </mc:Choice>
-              <mc:Fallback xmlns="">
+              <mc:Fallback>
                 <p:sp>
                   <p:nvSpPr>
                     <p:cNvPr id="186" name="TextBox 185">
@@ -8660,16 +8660,16 @@
                   </p:nvSpPr>
                   <p:spPr>
                     <a:xfrm>
-                      <a:off x="783643" y="3988894"/>
-                      <a:ext cx="1651050" cy="430887"/>
+                      <a:off x="1596403" y="3988894"/>
+                      <a:ext cx="719757" cy="430887"/>
                     </a:xfrm>
                     <a:prstGeom prst="rect">
                       <a:avLst/>
                     </a:prstGeom>
                     <a:blipFill>
-                      <a:blip r:embed="rId18"/>
+                      <a:blip r:embed="rId26"/>
                       <a:stretch>
-                        <a:fillRect b="-2857"/>
+                        <a:fillRect b="-5714"/>
                       </a:stretch>
                     </a:blipFill>
                   </p:spPr>
@@ -8964,7 +8964,7 @@
                   <a:avLst/>
                 </a:prstGeom>
                 <a:blipFill>
-                  <a:blip r:embed="rId25"/>
+                  <a:blip r:embed="rId27"/>
                   <a:stretch>
                     <a:fillRect/>
                   </a:stretch>
@@ -9225,6 +9225,578 @@
           </a:p>
         </p:txBody>
       </p:sp>
+      <p:pic>
+        <p:nvPicPr>
+          <p:cNvPr id="172" name="Graphic 171" descr="Thermometer outline">
+            <a:extLst>
+              <a:ext uri="{FF2B5EF4-FFF2-40B4-BE49-F238E27FC236}">
+                <a16:creationId xmlns:a16="http://schemas.microsoft.com/office/drawing/2014/main" id="{7A7C5B0F-EC1F-8B43-A4D2-940B6597A2BE}"/>
+              </a:ext>
+            </a:extLst>
+          </p:cNvPr>
+          <p:cNvPicPr>
+            <a:picLocks noChangeAspect="1"/>
+          </p:cNvPicPr>
+          <p:nvPr/>
+        </p:nvPicPr>
+        <p:blipFill>
+          <a:blip r:embed="rId14">
+            <a:extLst>
+              <a:ext uri="{96DAC541-7B7A-43D3-8B79-37D633B846F1}">
+                <asvg:svgBlip xmlns:asvg="http://schemas.microsoft.com/office/drawing/2016/SVG/main" r:embed="rId15"/>
+              </a:ext>
+            </a:extLst>
+          </a:blip>
+          <a:stretch>
+            <a:fillRect/>
+          </a:stretch>
+        </p:blipFill>
+        <p:spPr>
+          <a:xfrm>
+            <a:off x="1500236" y="3290012"/>
+            <a:ext cx="914400" cy="914400"/>
+          </a:xfrm>
+          <a:prstGeom prst="rect">
+            <a:avLst/>
+          </a:prstGeom>
+        </p:spPr>
+      </p:pic>
+      <p:sp>
+        <p:nvSpPr>
+          <p:cNvPr id="176" name="Oval 175">
+            <a:extLst>
+              <a:ext uri="{FF2B5EF4-FFF2-40B4-BE49-F238E27FC236}">
+                <a16:creationId xmlns:a16="http://schemas.microsoft.com/office/drawing/2014/main" id="{AA2100DD-7604-FB48-8956-5E87E70DBBEA}"/>
+              </a:ext>
+            </a:extLst>
+          </p:cNvPr>
+          <p:cNvSpPr/>
+          <p:nvPr/>
+        </p:nvSpPr>
+        <p:spPr>
+          <a:xfrm>
+            <a:off x="1890719" y="3912275"/>
+            <a:ext cx="136306" cy="130428"/>
+          </a:xfrm>
+          <a:prstGeom prst="ellipse">
+            <a:avLst/>
+          </a:prstGeom>
+          <a:solidFill>
+            <a:srgbClr val="C00000"/>
+          </a:solidFill>
+          <a:ln>
+            <a:solidFill>
+              <a:srgbClr val="C00000"/>
+            </a:solidFill>
+          </a:ln>
+        </p:spPr>
+        <p:style>
+          <a:lnRef idx="2">
+            <a:schemeClr val="accent1">
+              <a:shade val="50000"/>
+            </a:schemeClr>
+          </a:lnRef>
+          <a:fillRef idx="1">
+            <a:schemeClr val="accent1"/>
+          </a:fillRef>
+          <a:effectRef idx="0">
+            <a:schemeClr val="accent1"/>
+          </a:effectRef>
+          <a:fontRef idx="minor">
+            <a:schemeClr val="lt1"/>
+          </a:fontRef>
+        </p:style>
+        <p:txBody>
+          <a:bodyPr rtlCol="0" anchor="ctr"/>
+          <a:lstStyle/>
+          <a:p>
+            <a:pPr algn="ctr"/>
+            <a:endParaRPr lang="en-US"/>
+          </a:p>
+        </p:txBody>
+      </p:sp>
+      <p:sp>
+        <p:nvSpPr>
+          <p:cNvPr id="177" name="Rectangle 176">
+            <a:extLst>
+              <a:ext uri="{FF2B5EF4-FFF2-40B4-BE49-F238E27FC236}">
+                <a16:creationId xmlns:a16="http://schemas.microsoft.com/office/drawing/2014/main" id="{042A1AD6-E0F8-FE4C-80A7-AA8F998919A6}"/>
+              </a:ext>
+            </a:extLst>
+          </p:cNvPr>
+          <p:cNvSpPr/>
+          <p:nvPr/>
+        </p:nvSpPr>
+        <p:spPr>
+          <a:xfrm>
+            <a:off x="1931504" y="3792083"/>
+            <a:ext cx="45719" cy="144545"/>
+          </a:xfrm>
+          <a:prstGeom prst="rect">
+            <a:avLst/>
+          </a:prstGeom>
+          <a:solidFill>
+            <a:srgbClr val="C00000"/>
+          </a:solidFill>
+          <a:ln w="3175">
+            <a:solidFill>
+              <a:srgbClr val="C00000"/>
+            </a:solidFill>
+          </a:ln>
+        </p:spPr>
+        <p:style>
+          <a:lnRef idx="2">
+            <a:schemeClr val="accent1">
+              <a:shade val="50000"/>
+            </a:schemeClr>
+          </a:lnRef>
+          <a:fillRef idx="1">
+            <a:schemeClr val="accent1"/>
+          </a:fillRef>
+          <a:effectRef idx="0">
+            <a:schemeClr val="accent1"/>
+          </a:effectRef>
+          <a:fontRef idx="minor">
+            <a:schemeClr val="lt1"/>
+          </a:fontRef>
+        </p:style>
+        <p:txBody>
+          <a:bodyPr rtlCol="0" anchor="ctr"/>
+          <a:lstStyle/>
+          <a:p>
+            <a:pPr algn="ctr"/>
+            <a:endParaRPr lang="en-US"/>
+          </a:p>
+        </p:txBody>
+      </p:sp>
+      <mc:AlternateContent xmlns:mc="http://schemas.openxmlformats.org/markup-compatibility/2006">
+        <mc:Choice xmlns:a14="http://schemas.microsoft.com/office/drawing/2010/main" Requires="a14">
+          <p:sp>
+            <p:nvSpPr>
+              <p:cNvPr id="178" name="TextBox 177">
+                <a:extLst>
+                  <a:ext uri="{FF2B5EF4-FFF2-40B4-BE49-F238E27FC236}">
+                    <a16:creationId xmlns:a16="http://schemas.microsoft.com/office/drawing/2014/main" id="{43EFEB18-8536-A342-BE88-1A4A5F92DD0F}"/>
+                  </a:ext>
+                </a:extLst>
+              </p:cNvPr>
+              <p:cNvSpPr txBox="1"/>
+              <p:nvPr/>
+            </p:nvSpPr>
+            <p:spPr>
+              <a:xfrm>
+                <a:off x="1967331" y="3182797"/>
+                <a:ext cx="627574" cy="430887"/>
+              </a:xfrm>
+              <a:prstGeom prst="rect">
+                <a:avLst/>
+              </a:prstGeom>
+              <a:noFill/>
+            </p:spPr>
+            <p:txBody>
+              <a:bodyPr wrap="square" rtlCol="0">
+                <a:spAutoFit/>
+              </a:bodyPr>
+              <a:lstStyle/>
+              <a:p>
+                <a:pPr/>
+                <a14:m>
+                  <m:oMathPara xmlns:m="http://schemas.openxmlformats.org/officeDocument/2006/math">
+                    <m:oMathParaPr>
+                      <m:jc m:val="centerGroup"/>
+                    </m:oMathParaPr>
+                    <m:oMath xmlns:m="http://schemas.openxmlformats.org/officeDocument/2006/math">
+                      <m:sSubSup>
+                        <m:sSubSupPr>
+                          <m:ctrlPr>
+                            <a:rPr lang="en-US" sz="2200" b="1" i="1">
+                              <a:solidFill>
+                                <a:srgbClr val="C00000"/>
+                              </a:solidFill>
+                              <a:latin typeface="Cambria Math" panose="02040503050406030204" pitchFamily="18" charset="0"/>
+                            </a:rPr>
+                          </m:ctrlPr>
+                        </m:sSubSupPr>
+                        <m:e>
+                          <m:r>
+                            <a:rPr lang="en-US" sz="2200" b="1" i="1">
+                              <a:solidFill>
+                                <a:srgbClr val="C00000"/>
+                              </a:solidFill>
+                              <a:latin typeface="Cambria Math" panose="02040503050406030204" pitchFamily="18" charset="0"/>
+                              <a:ea typeface="Cambria Math" panose="02040503050406030204" pitchFamily="18" charset="0"/>
+                            </a:rPr>
+                            <m:t>𝜶</m:t>
+                          </m:r>
+                        </m:e>
+                        <m:sub>
+                          <m:r>
+                            <a:rPr lang="en-US" sz="2200" b="1" i="1">
+                              <a:solidFill>
+                                <a:srgbClr val="C00000"/>
+                              </a:solidFill>
+                              <a:latin typeface="Cambria Math" panose="02040503050406030204" pitchFamily="18" charset="0"/>
+                            </a:rPr>
+                            <m:t>𝑹</m:t>
+                          </m:r>
+                        </m:sub>
+                        <m:sup>
+                          <m:r>
+                            <a:rPr lang="en-US" sz="2200" b="1" i="1">
+                              <a:solidFill>
+                                <a:srgbClr val="C00000"/>
+                              </a:solidFill>
+                              <a:latin typeface="Cambria Math" panose="02040503050406030204" pitchFamily="18" charset="0"/>
+                            </a:rPr>
+                            <m:t>∗</m:t>
+                          </m:r>
+                        </m:sup>
+                      </m:sSubSup>
+                    </m:oMath>
+                  </m:oMathPara>
+                </a14:m>
+                <a:endParaRPr lang="en-US" sz="2200" dirty="0">
+                  <a:solidFill>
+                    <a:srgbClr val="C00000"/>
+                  </a:solidFill>
+                  <a:latin typeface="Arial" panose="020B0604020202020204" pitchFamily="34" charset="0"/>
+                  <a:cs typeface="Arial" panose="020B0604020202020204" pitchFamily="34" charset="0"/>
+                </a:endParaRPr>
+              </a:p>
+            </p:txBody>
+          </p:sp>
+        </mc:Choice>
+        <mc:Fallback>
+          <p:sp>
+            <p:nvSpPr>
+              <p:cNvPr id="178" name="TextBox 177">
+                <a:extLst>
+                  <a:ext uri="{FF2B5EF4-FFF2-40B4-BE49-F238E27FC236}">
+                    <a16:creationId xmlns:a16="http://schemas.microsoft.com/office/drawing/2014/main" id="{43EFEB18-8536-A342-BE88-1A4A5F92DD0F}"/>
+                  </a:ext>
+                </a:extLst>
+              </p:cNvPr>
+              <p:cNvSpPr txBox="1">
+                <a:spLocks noRot="1" noChangeAspect="1" noMove="1" noResize="1" noEditPoints="1" noAdjustHandles="1" noChangeArrowheads="1" noChangeShapeType="1" noTextEdit="1"/>
+              </p:cNvSpPr>
+              <p:nvPr/>
+            </p:nvSpPr>
+            <p:spPr>
+              <a:xfrm>
+                <a:off x="1967331" y="3182797"/>
+                <a:ext cx="627574" cy="430887"/>
+              </a:xfrm>
+              <a:prstGeom prst="rect">
+                <a:avLst/>
+              </a:prstGeom>
+              <a:blipFill>
+                <a:blip r:embed="rId28"/>
+                <a:stretch>
+                  <a:fillRect b="-5714"/>
+                </a:stretch>
+              </a:blipFill>
+            </p:spPr>
+            <p:txBody>
+              <a:bodyPr/>
+              <a:lstStyle/>
+              <a:p>
+                <a:r>
+                  <a:rPr lang="en-US">
+                    <a:noFill/>
+                  </a:rPr>
+                  <a:t> </a:t>
+                </a:r>
+              </a:p>
+            </p:txBody>
+          </p:sp>
+        </mc:Fallback>
+      </mc:AlternateContent>
+      <p:pic>
+        <p:nvPicPr>
+          <p:cNvPr id="179" name="Graphic 178" descr="Thermometer outline">
+            <a:extLst>
+              <a:ext uri="{FF2B5EF4-FFF2-40B4-BE49-F238E27FC236}">
+                <a16:creationId xmlns:a16="http://schemas.microsoft.com/office/drawing/2014/main" id="{AC0209E5-25C0-DA41-A203-A8075B0AAEC8}"/>
+              </a:ext>
+            </a:extLst>
+          </p:cNvPr>
+          <p:cNvPicPr>
+            <a:picLocks noChangeAspect="1"/>
+          </p:cNvPicPr>
+          <p:nvPr/>
+        </p:nvPicPr>
+        <p:blipFill>
+          <a:blip r:embed="rId14">
+            <a:extLst>
+              <a:ext uri="{96DAC541-7B7A-43D3-8B79-37D633B846F1}">
+                <asvg:svgBlip xmlns:asvg="http://schemas.microsoft.com/office/drawing/2016/SVG/main" r:embed="rId15"/>
+              </a:ext>
+            </a:extLst>
+          </a:blip>
+          <a:stretch>
+            <a:fillRect/>
+          </a:stretch>
+        </p:blipFill>
+        <p:spPr>
+          <a:xfrm>
+            <a:off x="726159" y="6591399"/>
+            <a:ext cx="914400" cy="914400"/>
+          </a:xfrm>
+          <a:prstGeom prst="rect">
+            <a:avLst/>
+          </a:prstGeom>
+        </p:spPr>
+      </p:pic>
+      <p:sp>
+        <p:nvSpPr>
+          <p:cNvPr id="188" name="Oval 187">
+            <a:extLst>
+              <a:ext uri="{FF2B5EF4-FFF2-40B4-BE49-F238E27FC236}">
+                <a16:creationId xmlns:a16="http://schemas.microsoft.com/office/drawing/2014/main" id="{884FA701-C946-8742-A770-6FD09562FE9F}"/>
+              </a:ext>
+            </a:extLst>
+          </p:cNvPr>
+          <p:cNvSpPr/>
+          <p:nvPr/>
+        </p:nvSpPr>
+        <p:spPr>
+          <a:xfrm>
+            <a:off x="1116631" y="7213662"/>
+            <a:ext cx="136306" cy="130428"/>
+          </a:xfrm>
+          <a:prstGeom prst="ellipse">
+            <a:avLst/>
+          </a:prstGeom>
+          <a:solidFill>
+            <a:srgbClr val="C00000"/>
+          </a:solidFill>
+          <a:ln>
+            <a:solidFill>
+              <a:srgbClr val="C00000"/>
+            </a:solidFill>
+          </a:ln>
+        </p:spPr>
+        <p:style>
+          <a:lnRef idx="2">
+            <a:schemeClr val="accent1">
+              <a:shade val="50000"/>
+            </a:schemeClr>
+          </a:lnRef>
+          <a:fillRef idx="1">
+            <a:schemeClr val="accent1"/>
+          </a:fillRef>
+          <a:effectRef idx="0">
+            <a:schemeClr val="accent1"/>
+          </a:effectRef>
+          <a:fontRef idx="minor">
+            <a:schemeClr val="lt1"/>
+          </a:fontRef>
+        </p:style>
+        <p:txBody>
+          <a:bodyPr rtlCol="0" anchor="ctr"/>
+          <a:lstStyle/>
+          <a:p>
+            <a:pPr algn="ctr"/>
+            <a:endParaRPr lang="en-US"/>
+          </a:p>
+        </p:txBody>
+      </p:sp>
+      <p:sp>
+        <p:nvSpPr>
+          <p:cNvPr id="189" name="Rectangle 188">
+            <a:extLst>
+              <a:ext uri="{FF2B5EF4-FFF2-40B4-BE49-F238E27FC236}">
+                <a16:creationId xmlns:a16="http://schemas.microsoft.com/office/drawing/2014/main" id="{2F206319-2BF6-D146-B2BC-0258EA20E8A6}"/>
+              </a:ext>
+            </a:extLst>
+          </p:cNvPr>
+          <p:cNvSpPr/>
+          <p:nvPr/>
+        </p:nvSpPr>
+        <p:spPr>
+          <a:xfrm>
+            <a:off x="1157415" y="6722344"/>
+            <a:ext cx="45719" cy="515672"/>
+          </a:xfrm>
+          <a:prstGeom prst="rect">
+            <a:avLst/>
+          </a:prstGeom>
+          <a:solidFill>
+            <a:srgbClr val="C00000"/>
+          </a:solidFill>
+          <a:ln w="3175">
+            <a:solidFill>
+              <a:srgbClr val="C00000"/>
+            </a:solidFill>
+          </a:ln>
+        </p:spPr>
+        <p:style>
+          <a:lnRef idx="2">
+            <a:schemeClr val="accent1">
+              <a:shade val="50000"/>
+            </a:schemeClr>
+          </a:lnRef>
+          <a:fillRef idx="1">
+            <a:schemeClr val="accent1"/>
+          </a:fillRef>
+          <a:effectRef idx="0">
+            <a:schemeClr val="accent1"/>
+          </a:effectRef>
+          <a:fontRef idx="minor">
+            <a:schemeClr val="lt1"/>
+          </a:fontRef>
+        </p:style>
+        <p:txBody>
+          <a:bodyPr rtlCol="0" anchor="ctr"/>
+          <a:lstStyle/>
+          <a:p>
+            <a:pPr algn="ctr"/>
+            <a:endParaRPr lang="en-US"/>
+          </a:p>
+        </p:txBody>
+      </p:sp>
+      <mc:AlternateContent xmlns:mc="http://schemas.openxmlformats.org/markup-compatibility/2006">
+        <mc:Choice xmlns:a14="http://schemas.microsoft.com/office/drawing/2010/main" Requires="a14">
+          <p:sp>
+            <p:nvSpPr>
+              <p:cNvPr id="190" name="TextBox 189">
+                <a:extLst>
+                  <a:ext uri="{FF2B5EF4-FFF2-40B4-BE49-F238E27FC236}">
+                    <a16:creationId xmlns:a16="http://schemas.microsoft.com/office/drawing/2014/main" id="{4EEFA47C-5112-A24B-AEBF-2CDFE4E8B765}"/>
+                  </a:ext>
+                </a:extLst>
+              </p:cNvPr>
+              <p:cNvSpPr txBox="1"/>
+              <p:nvPr/>
+            </p:nvSpPr>
+            <p:spPr>
+              <a:xfrm>
+                <a:off x="1079383" y="6517198"/>
+                <a:ext cx="874433" cy="430887"/>
+              </a:xfrm>
+              <a:prstGeom prst="rect">
+                <a:avLst/>
+              </a:prstGeom>
+              <a:noFill/>
+            </p:spPr>
+            <p:txBody>
+              <a:bodyPr wrap="square" rtlCol="0">
+                <a:spAutoFit/>
+              </a:bodyPr>
+              <a:lstStyle/>
+              <a:p>
+                <a:pPr/>
+                <a14:m>
+                  <m:oMathPara xmlns:m="http://schemas.openxmlformats.org/officeDocument/2006/math">
+                    <m:oMathParaPr>
+                      <m:jc m:val="centerGroup"/>
+                    </m:oMathParaPr>
+                    <m:oMath xmlns:m="http://schemas.openxmlformats.org/officeDocument/2006/math">
+                      <m:sSubSup>
+                        <m:sSubSupPr>
+                          <m:ctrlPr>
+                            <a:rPr lang="en-US" sz="2200" b="1" i="1">
+                              <a:solidFill>
+                                <a:srgbClr val="C00000"/>
+                              </a:solidFill>
+                              <a:latin typeface="Cambria Math" panose="02040503050406030204" pitchFamily="18" charset="0"/>
+                            </a:rPr>
+                          </m:ctrlPr>
+                        </m:sSubSupPr>
+                        <m:e>
+                          <m:r>
+                            <a:rPr lang="en-US" sz="2200" b="1" i="1">
+                              <a:solidFill>
+                                <a:srgbClr val="C00000"/>
+                              </a:solidFill>
+                              <a:latin typeface="Cambria Math" panose="02040503050406030204" pitchFamily="18" charset="0"/>
+                              <a:ea typeface="Cambria Math" panose="02040503050406030204" pitchFamily="18" charset="0"/>
+                            </a:rPr>
+                            <m:t>𝜷</m:t>
+                          </m:r>
+                        </m:e>
+                        <m:sub>
+                          <m:r>
+                            <a:rPr lang="en-US" sz="2200" b="1" i="1">
+                              <a:solidFill>
+                                <a:srgbClr val="C00000"/>
+                              </a:solidFill>
+                              <a:latin typeface="Cambria Math" panose="02040503050406030204" pitchFamily="18" charset="0"/>
+                            </a:rPr>
+                            <m:t>𝑹</m:t>
+                          </m:r>
+                        </m:sub>
+                        <m:sup>
+                          <m:r>
+                            <a:rPr lang="en-US" sz="2200" b="1" i="1">
+                              <a:solidFill>
+                                <a:srgbClr val="C00000"/>
+                              </a:solidFill>
+                              <a:latin typeface="Cambria Math" panose="02040503050406030204" pitchFamily="18" charset="0"/>
+                            </a:rPr>
+                            <m:t>∗</m:t>
+                          </m:r>
+                        </m:sup>
+                      </m:sSubSup>
+                    </m:oMath>
+                  </m:oMathPara>
+                </a14:m>
+                <a:endParaRPr lang="en-US" sz="2200" dirty="0">
+                  <a:solidFill>
+                    <a:srgbClr val="C00000"/>
+                  </a:solidFill>
+                  <a:latin typeface="Arial" panose="020B0604020202020204" pitchFamily="34" charset="0"/>
+                  <a:cs typeface="Arial" panose="020B0604020202020204" pitchFamily="34" charset="0"/>
+                </a:endParaRPr>
+              </a:p>
+            </p:txBody>
+          </p:sp>
+        </mc:Choice>
+        <mc:Fallback>
+          <p:sp>
+            <p:nvSpPr>
+              <p:cNvPr id="190" name="TextBox 189">
+                <a:extLst>
+                  <a:ext uri="{FF2B5EF4-FFF2-40B4-BE49-F238E27FC236}">
+                    <a16:creationId xmlns:a16="http://schemas.microsoft.com/office/drawing/2014/main" id="{4EEFA47C-5112-A24B-AEBF-2CDFE4E8B765}"/>
+                  </a:ext>
+                </a:extLst>
+              </p:cNvPr>
+              <p:cNvSpPr txBox="1">
+                <a:spLocks noRot="1" noChangeAspect="1" noMove="1" noResize="1" noEditPoints="1" noAdjustHandles="1" noChangeArrowheads="1" noChangeShapeType="1" noTextEdit="1"/>
+              </p:cNvSpPr>
+              <p:nvPr/>
+            </p:nvSpPr>
+            <p:spPr>
+              <a:xfrm>
+                <a:off x="1079383" y="6517198"/>
+                <a:ext cx="874433" cy="430887"/>
+              </a:xfrm>
+              <a:prstGeom prst="rect">
+                <a:avLst/>
+              </a:prstGeom>
+              <a:blipFill>
+                <a:blip r:embed="rId29"/>
+                <a:stretch>
+                  <a:fillRect b="-14286"/>
+                </a:stretch>
+              </a:blipFill>
+            </p:spPr>
+            <p:txBody>
+              <a:bodyPr/>
+              <a:lstStyle/>
+              <a:p>
+                <a:r>
+                  <a:rPr lang="en-US">
+                    <a:noFill/>
+                  </a:rPr>
+                  <a:t> </a:t>
+                </a:r>
+              </a:p>
+            </p:txBody>
+          </p:sp>
+        </mc:Fallback>
+      </mc:AlternateContent>
     </p:spTree>
     <p:extLst>
       <p:ext uri="{BB962C8B-B14F-4D97-AF65-F5344CB8AC3E}">

--- a/figure-1/Fig-1.pptx
+++ b/figure-1/Fig-1.pptx
@@ -208,7 +208,7 @@
           <a:p>
             <a:fld id="{4F405BEB-624C-7944-B04F-47802A4A37F3}" type="datetimeFigureOut">
               <a:rPr lang="en-US" smtClean="0"/>
-              <a:t>4/25/23</a:t>
+              <a:t>4/28/23</a:t>
             </a:fld>
             <a:endParaRPr lang="en-US"/>
           </a:p>
@@ -695,7 +695,7 @@
           <a:p>
             <a:fld id="{5AE4C86A-FCC4-8247-A7C0-BE0B89853347}" type="datetimeFigureOut">
               <a:rPr lang="en-US" smtClean="0"/>
-              <a:t>4/25/23</a:t>
+              <a:t>4/28/23</a:t>
             </a:fld>
             <a:endParaRPr lang="en-US"/>
           </a:p>
@@ -866,7 +866,7 @@
           <a:p>
             <a:fld id="{5AE4C86A-FCC4-8247-A7C0-BE0B89853347}" type="datetimeFigureOut">
               <a:rPr lang="en-US" smtClean="0"/>
-              <a:t>4/25/23</a:t>
+              <a:t>4/28/23</a:t>
             </a:fld>
             <a:endParaRPr lang="en-US"/>
           </a:p>
@@ -1046,7 +1046,7 @@
           <a:p>
             <a:fld id="{5AE4C86A-FCC4-8247-A7C0-BE0B89853347}" type="datetimeFigureOut">
               <a:rPr lang="en-US" smtClean="0"/>
-              <a:t>4/25/23</a:t>
+              <a:t>4/28/23</a:t>
             </a:fld>
             <a:endParaRPr lang="en-US"/>
           </a:p>
@@ -1216,7 +1216,7 @@
           <a:p>
             <a:fld id="{5AE4C86A-FCC4-8247-A7C0-BE0B89853347}" type="datetimeFigureOut">
               <a:rPr lang="en-US" smtClean="0"/>
-              <a:t>4/25/23</a:t>
+              <a:t>4/28/23</a:t>
             </a:fld>
             <a:endParaRPr lang="en-US"/>
           </a:p>
@@ -1460,7 +1460,7 @@
           <a:p>
             <a:fld id="{5AE4C86A-FCC4-8247-A7C0-BE0B89853347}" type="datetimeFigureOut">
               <a:rPr lang="en-US" smtClean="0"/>
-              <a:t>4/25/23</a:t>
+              <a:t>4/28/23</a:t>
             </a:fld>
             <a:endParaRPr lang="en-US"/>
           </a:p>
@@ -1692,7 +1692,7 @@
           <a:p>
             <a:fld id="{5AE4C86A-FCC4-8247-A7C0-BE0B89853347}" type="datetimeFigureOut">
               <a:rPr lang="en-US" smtClean="0"/>
-              <a:t>4/25/23</a:t>
+              <a:t>4/28/23</a:t>
             </a:fld>
             <a:endParaRPr lang="en-US"/>
           </a:p>
@@ -2059,7 +2059,7 @@
           <a:p>
             <a:fld id="{5AE4C86A-FCC4-8247-A7C0-BE0B89853347}" type="datetimeFigureOut">
               <a:rPr lang="en-US" smtClean="0"/>
-              <a:t>4/25/23</a:t>
+              <a:t>4/28/23</a:t>
             </a:fld>
             <a:endParaRPr lang="en-US"/>
           </a:p>
@@ -2177,7 +2177,7 @@
           <a:p>
             <a:fld id="{5AE4C86A-FCC4-8247-A7C0-BE0B89853347}" type="datetimeFigureOut">
               <a:rPr lang="en-US" smtClean="0"/>
-              <a:t>4/25/23</a:t>
+              <a:t>4/28/23</a:t>
             </a:fld>
             <a:endParaRPr lang="en-US"/>
           </a:p>
@@ -2272,7 +2272,7 @@
           <a:p>
             <a:fld id="{5AE4C86A-FCC4-8247-A7C0-BE0B89853347}" type="datetimeFigureOut">
               <a:rPr lang="en-US" smtClean="0"/>
-              <a:t>4/25/23</a:t>
+              <a:t>4/28/23</a:t>
             </a:fld>
             <a:endParaRPr lang="en-US"/>
           </a:p>
@@ -2549,7 +2549,7 @@
           <a:p>
             <a:fld id="{5AE4C86A-FCC4-8247-A7C0-BE0B89853347}" type="datetimeFigureOut">
               <a:rPr lang="en-US" smtClean="0"/>
-              <a:t>4/25/23</a:t>
+              <a:t>4/28/23</a:t>
             </a:fld>
             <a:endParaRPr lang="en-US"/>
           </a:p>
@@ -2806,7 +2806,7 @@
           <a:p>
             <a:fld id="{5AE4C86A-FCC4-8247-A7C0-BE0B89853347}" type="datetimeFigureOut">
               <a:rPr lang="en-US" smtClean="0"/>
-              <a:t>4/25/23</a:t>
+              <a:t>4/28/23</a:t>
             </a:fld>
             <a:endParaRPr lang="en-US"/>
           </a:p>
@@ -3019,7 +3019,7 @@
           <a:p>
             <a:fld id="{5AE4C86A-FCC4-8247-A7C0-BE0B89853347}" type="datetimeFigureOut">
               <a:rPr lang="en-US" smtClean="0"/>
-              <a:t>4/25/23</a:t>
+              <a:t>4/28/23</a:t>
             </a:fld>
             <a:endParaRPr lang="en-US"/>
           </a:p>
@@ -4172,9 +4172,9 @@
             <p:grpSpPr>
               <a:xfrm>
                 <a:off x="-26141" y="3482402"/>
-                <a:ext cx="1651050" cy="968680"/>
+                <a:ext cx="1651050" cy="988273"/>
                 <a:chOff x="-469330" y="4041696"/>
-                <a:chExt cx="1651050" cy="968680"/>
+                <a:chExt cx="1651050" cy="988273"/>
               </a:xfrm>
             </p:grpSpPr>
             <p:grpSp>
@@ -4191,9 +4191,9 @@
               </p:nvGrpSpPr>
               <p:grpSpPr>
                 <a:xfrm>
-                  <a:off x="-380302" y="4095976"/>
+                  <a:off x="-380302" y="4115569"/>
                   <a:ext cx="914400" cy="914400"/>
-                  <a:chOff x="-155131" y="889565"/>
+                  <a:chOff x="-155131" y="909158"/>
                   <a:chExt cx="914400" cy="914400"/>
                 </a:xfrm>
               </p:grpSpPr>
@@ -4225,7 +4225,7 @@
                 </p:blipFill>
                 <p:spPr>
                   <a:xfrm>
-                    <a:off x="-155131" y="889565"/>
+                    <a:off x="-155131" y="909158"/>
                     <a:ext cx="914400" cy="914400"/>
                   </a:xfrm>
                   <a:prstGeom prst="rect">
@@ -4247,7 +4247,7 @@
                 </p:nvSpPr>
                 <p:spPr>
                   <a:xfrm>
-                    <a:off x="232952" y="1511828"/>
+                    <a:off x="232952" y="1531421"/>
                     <a:ext cx="136306" cy="130428"/>
                   </a:xfrm>
                   <a:prstGeom prst="ellipse">
@@ -4301,7 +4301,7 @@
                 </p:nvSpPr>
                 <p:spPr>
                   <a:xfrm>
-                    <a:off x="292388" y="1379394"/>
+                    <a:off x="279326" y="1398987"/>
                     <a:ext cx="47390" cy="171047"/>
                   </a:xfrm>
                   <a:prstGeom prst="rect">
@@ -4342,8 +4342,8 @@
                 </p:txBody>
               </p:sp>
             </p:grpSp>
-            <mc:AlternateContent xmlns:mc="http://schemas.openxmlformats.org/markup-compatibility/2006">
-              <mc:Choice xmlns:a14="http://schemas.microsoft.com/office/drawing/2010/main" Requires="a14">
+            <mc:AlternateContent xmlns:mc="http://schemas.openxmlformats.org/markup-compatibility/2006" xmlns:a14="http://schemas.microsoft.com/office/drawing/2010/main">
+              <mc:Choice Requires="a14">
                 <p:sp>
                   <p:nvSpPr>
                     <p:cNvPr id="198" name="TextBox 197">
@@ -4438,7 +4438,7 @@
                   </p:txBody>
                 </p:sp>
               </mc:Choice>
-              <mc:Fallback>
+              <mc:Fallback xmlns="">
                 <p:sp>
                   <p:nvSpPr>
                     <p:cNvPr id="198" name="TextBox 197">
@@ -4499,9 +4499,9 @@
             <p:grpSpPr>
               <a:xfrm>
                 <a:off x="592540" y="3498497"/>
-                <a:ext cx="1651050" cy="931970"/>
+                <a:ext cx="1651050" cy="971156"/>
                 <a:chOff x="481036" y="4023756"/>
-                <a:chExt cx="1651050" cy="931970"/>
+                <a:chExt cx="1651050" cy="971156"/>
               </a:xfrm>
             </p:grpSpPr>
             <p:grpSp>
@@ -4518,9 +4518,9 @@
               </p:nvGrpSpPr>
               <p:grpSpPr>
                 <a:xfrm>
-                  <a:off x="516273" y="4041326"/>
+                  <a:off x="516273" y="4080512"/>
                   <a:ext cx="914400" cy="914400"/>
-                  <a:chOff x="-250560" y="854703"/>
+                  <a:chOff x="-250560" y="893889"/>
                   <a:chExt cx="914400" cy="914400"/>
                 </a:xfrm>
               </p:grpSpPr>
@@ -4552,7 +4552,7 @@
                 </p:blipFill>
                 <p:spPr>
                   <a:xfrm>
-                    <a:off x="-250560" y="854703"/>
+                    <a:off x="-250560" y="893889"/>
                     <a:ext cx="914400" cy="914400"/>
                   </a:xfrm>
                   <a:prstGeom prst="rect">
@@ -4574,7 +4574,7 @@
                 </p:nvSpPr>
                 <p:spPr>
                   <a:xfrm>
-                    <a:off x="137521" y="1476966"/>
+                    <a:off x="144052" y="1516152"/>
                     <a:ext cx="136306" cy="130428"/>
                   </a:xfrm>
                   <a:prstGeom prst="ellipse">
@@ -4628,8 +4628,8 @@
                 </p:nvSpPr>
                 <p:spPr>
                   <a:xfrm>
-                    <a:off x="180704" y="1357770"/>
-                    <a:ext cx="45719" cy="144545"/>
+                    <a:off x="180704" y="1396956"/>
+                    <a:ext cx="45719" cy="158830"/>
                   </a:xfrm>
                   <a:prstGeom prst="rect">
                     <a:avLst/>
@@ -4669,8 +4669,8 @@
                 </p:txBody>
               </p:sp>
             </p:grpSp>
-            <mc:AlternateContent xmlns:mc="http://schemas.openxmlformats.org/markup-compatibility/2006">
-              <mc:Choice xmlns:a14="http://schemas.microsoft.com/office/drawing/2010/main" Requires="a14">
+            <mc:AlternateContent xmlns:mc="http://schemas.openxmlformats.org/markup-compatibility/2006" xmlns:a14="http://schemas.microsoft.com/office/drawing/2010/main">
+              <mc:Choice Requires="a14">
                 <p:sp>
                   <p:nvSpPr>
                     <p:cNvPr id="204" name="TextBox 203">
@@ -4802,7 +4802,7 @@
                   </p:txBody>
                 </p:sp>
               </mc:Choice>
-              <mc:Fallback>
+              <mc:Fallback xmlns="">
                 <p:sp>
                   <p:nvSpPr>
                     <p:cNvPr id="204" name="TextBox 203">
@@ -4876,7 +4876,7 @@
             </p:blipFill>
             <p:spPr>
               <a:xfrm>
-                <a:off x="1302245" y="3533598"/>
+                <a:off x="1302245" y="3553191"/>
                 <a:ext cx="914400" cy="914400"/>
               </a:xfrm>
               <a:prstGeom prst="rect">
@@ -4898,7 +4898,7 @@
             </p:nvSpPr>
             <p:spPr>
               <a:xfrm>
-                <a:off x="1693403" y="4156259"/>
+                <a:off x="1693403" y="4175852"/>
                 <a:ext cx="136306" cy="130428"/>
               </a:xfrm>
               <a:prstGeom prst="ellipse">
@@ -4952,7 +4952,7 @@
             </p:nvSpPr>
             <p:spPr>
               <a:xfrm>
-                <a:off x="1734185" y="4018139"/>
+                <a:off x="1734185" y="4037732"/>
                 <a:ext cx="45719" cy="144545"/>
               </a:xfrm>
               <a:prstGeom prst="rect">
@@ -5008,7 +5008,7 @@
                 </p:nvSpPr>
                 <p:spPr>
                   <a:xfrm>
-                    <a:off x="1787366" y="3535412"/>
+                    <a:off x="1787366" y="3489695"/>
                     <a:ext cx="627574" cy="462691"/>
                   </a:xfrm>
                   <a:prstGeom prst="rect">
@@ -5142,7 +5142,7 @@
                 </p:nvSpPr>
                 <p:spPr>
                   <a:xfrm>
-                    <a:off x="1787366" y="3535412"/>
+                    <a:off x="1787366" y="3489695"/>
                     <a:ext cx="627574" cy="462691"/>
                   </a:xfrm>
                   <a:prstGeom prst="rect">
@@ -5186,7 +5186,7 @@
                 </p:nvSpPr>
                 <p:spPr>
                   <a:xfrm>
-                    <a:off x="6582746" y="3500299"/>
+                    <a:off x="6582746" y="3480706"/>
                     <a:ext cx="1651050" cy="400110"/>
                   </a:xfrm>
                   <a:prstGeom prst="rect">
@@ -5374,7 +5374,7 @@
                 </p:nvSpPr>
                 <p:spPr>
                   <a:xfrm>
-                    <a:off x="6582746" y="3500299"/>
+                    <a:off x="6582746" y="3480706"/>
                     <a:ext cx="1651050" cy="400110"/>
                   </a:xfrm>
                   <a:prstGeom prst="rect">
@@ -5383,7 +5383,7 @@
                   <a:blipFill>
                     <a:blip r:embed="rId14"/>
                     <a:stretch>
-                      <a:fillRect/>
+                      <a:fillRect b="-3125"/>
                     </a:stretch>
                   </a:blipFill>
                 </p:spPr>
@@ -5418,7 +5418,7 @@
                 </p:nvSpPr>
                 <p:spPr>
                   <a:xfrm>
-                    <a:off x="5486362" y="3472320"/>
+                    <a:off x="5486362" y="3485382"/>
                     <a:ext cx="577101" cy="400110"/>
                   </a:xfrm>
                   <a:prstGeom prst="rect">
@@ -5515,7 +5515,7 @@
                 </p:nvSpPr>
                 <p:spPr>
                   <a:xfrm>
-                    <a:off x="5486362" y="3472320"/>
+                    <a:off x="5486362" y="3485382"/>
                     <a:ext cx="577101" cy="400110"/>
                   </a:xfrm>
                   <a:prstGeom prst="rect">
@@ -5613,7 +5613,7 @@
               </p:nvSpPr>
               <p:spPr>
                 <a:xfrm>
-                  <a:off x="6554728" y="4233314"/>
+                  <a:off x="6577588" y="4233314"/>
                   <a:ext cx="136306" cy="130428"/>
                 </a:xfrm>
                 <a:prstGeom prst="ellipse">
@@ -5667,8 +5667,8 @@
               </p:nvSpPr>
               <p:spPr>
                 <a:xfrm>
-                  <a:off x="6614537" y="4053160"/>
-                  <a:ext cx="47390" cy="171047"/>
+                  <a:off x="6621068" y="4053160"/>
+                  <a:ext cx="45719" cy="273163"/>
                 </a:xfrm>
                 <a:prstGeom prst="rect">
                   <a:avLst/>
@@ -5779,7 +5779,7 @@
               <p:spPr>
                 <a:xfrm>
                   <a:off x="7324488" y="3742459"/>
-                  <a:ext cx="58070" cy="594317"/>
+                  <a:ext cx="45719" cy="594317"/>
                 </a:xfrm>
                 <a:prstGeom prst="rect">
                   <a:avLst/>
@@ -5832,7 +5832,7 @@
               </p:nvSpPr>
               <p:spPr>
                 <a:xfrm>
-                  <a:off x="7279890" y="4206347"/>
+                  <a:off x="7286421" y="4232474"/>
                   <a:ext cx="136306" cy="130428"/>
                 </a:xfrm>
                 <a:prstGeom prst="ellipse">
@@ -5889,7 +5889,7 @@
                 </p:nvSpPr>
                 <p:spPr>
                   <a:xfrm>
-                    <a:off x="5879261" y="3510379"/>
+                    <a:off x="5879261" y="3484255"/>
                     <a:ext cx="914400" cy="400110"/>
                   </a:xfrm>
                   <a:prstGeom prst="rect">
@@ -5975,7 +5975,7 @@
                 </p:nvSpPr>
                 <p:spPr>
                   <a:xfrm>
-                    <a:off x="5879261" y="3510379"/>
+                    <a:off x="5879261" y="3484255"/>
                     <a:ext cx="914400" cy="400110"/>
                   </a:xfrm>
                   <a:prstGeom prst="rect">
@@ -6073,7 +6073,7 @@
               </p:nvSpPr>
               <p:spPr>
                 <a:xfrm>
-                  <a:off x="6554728" y="4233314"/>
+                  <a:off x="6571057" y="4233314"/>
                   <a:ext cx="136306" cy="130428"/>
                 </a:xfrm>
                 <a:prstGeom prst="ellipse">
@@ -6127,8 +6127,8 @@
               </p:nvSpPr>
               <p:spPr>
                 <a:xfrm>
-                  <a:off x="6614537" y="4053160"/>
-                  <a:ext cx="47390" cy="171047"/>
+                  <a:off x="6621068" y="4053159"/>
+                  <a:ext cx="45719" cy="253310"/>
                 </a:xfrm>
                 <a:prstGeom prst="rect">
                   <a:avLst/>
@@ -6705,9 +6705,9 @@
             </p:nvGrpSpPr>
             <p:grpSpPr>
               <a:xfrm>
-                <a:off x="948265" y="6768374"/>
+                <a:off x="948265" y="6761843"/>
                 <a:ext cx="914400" cy="914400"/>
-                <a:chOff x="354581" y="8437983"/>
+                <a:chOff x="354581" y="8431452"/>
                 <a:chExt cx="914400" cy="914400"/>
               </a:xfrm>
             </p:grpSpPr>
@@ -6739,7 +6739,7 @@
               </p:blipFill>
               <p:spPr>
                 <a:xfrm>
-                  <a:off x="354581" y="8437983"/>
+                  <a:off x="354581" y="8431452"/>
                   <a:ext cx="914400" cy="914400"/>
                 </a:xfrm>
                 <a:prstGeom prst="rect">
@@ -6761,7 +6761,7 @@
               </p:nvSpPr>
               <p:spPr>
                 <a:xfrm>
-                  <a:off x="726544" y="9074104"/>
+                  <a:off x="742873" y="9061042"/>
                   <a:ext cx="136306" cy="130428"/>
                 </a:xfrm>
                 <a:prstGeom prst="ellipse">
@@ -6815,7 +6815,7 @@
               </p:nvSpPr>
               <p:spPr>
                 <a:xfrm>
-                  <a:off x="770114" y="8616862"/>
+                  <a:off x="786443" y="8610331"/>
                   <a:ext cx="45719" cy="515672"/>
                 </a:xfrm>
                 <a:prstGeom prst="rect">
@@ -7340,9 +7340,9 @@
             </p:nvGrpSpPr>
             <p:grpSpPr>
               <a:xfrm>
-                <a:off x="1568969" y="6780149"/>
+                <a:off x="1568969" y="6760556"/>
                 <a:ext cx="914400" cy="914400"/>
-                <a:chOff x="799304" y="927459"/>
+                <a:chOff x="799304" y="907866"/>
                 <a:chExt cx="914400" cy="914400"/>
               </a:xfrm>
             </p:grpSpPr>
@@ -7374,7 +7374,7 @@
               </p:blipFill>
               <p:spPr>
                 <a:xfrm>
-                  <a:off x="799304" y="927459"/>
+                  <a:off x="799304" y="907866"/>
                   <a:ext cx="914400" cy="914400"/>
                 </a:xfrm>
                 <a:prstGeom prst="rect">
@@ -7396,7 +7396,7 @@
               </p:nvSpPr>
               <p:spPr>
                 <a:xfrm>
-                  <a:off x="1188784" y="1549678"/>
+                  <a:off x="1188784" y="1530085"/>
                   <a:ext cx="136306" cy="130428"/>
                 </a:xfrm>
                 <a:prstGeom prst="ellipse">
@@ -7450,7 +7450,7 @@
               </p:nvSpPr>
               <p:spPr>
                 <a:xfrm>
-                  <a:off x="1231963" y="1411557"/>
+                  <a:off x="1231963" y="1391964"/>
                   <a:ext cx="45719" cy="144545"/>
                 </a:xfrm>
                 <a:prstGeom prst="rect">
@@ -7507,7 +7507,7 @@
                 </p:nvSpPr>
                 <p:spPr>
                   <a:xfrm>
-                    <a:off x="912243" y="6739938"/>
+                    <a:off x="912243" y="6694221"/>
                     <a:ext cx="1651050" cy="462691"/>
                   </a:xfrm>
                   <a:prstGeom prst="rect">
@@ -7641,7 +7641,7 @@
                 </p:nvSpPr>
                 <p:spPr>
                   <a:xfrm>
-                    <a:off x="912243" y="6739938"/>
+                    <a:off x="912243" y="6694221"/>
                     <a:ext cx="1651050" cy="462691"/>
                   </a:xfrm>
                   <a:prstGeom prst="rect">
@@ -7685,7 +7685,7 @@
                 </p:nvSpPr>
                 <p:spPr>
                   <a:xfrm>
-                    <a:off x="2041820" y="6700795"/>
+                    <a:off x="2041820" y="6687733"/>
                     <a:ext cx="627574" cy="462691"/>
                   </a:xfrm>
                   <a:prstGeom prst="rect">
@@ -7819,7 +7819,7 @@
                 </p:nvSpPr>
                 <p:spPr>
                   <a:xfrm>
-                    <a:off x="2041820" y="6700795"/>
+                    <a:off x="2041820" y="6687733"/>
                     <a:ext cx="627574" cy="462691"/>
                   </a:xfrm>
                   <a:prstGeom prst="rect">
@@ -7847,8 +7847,8 @@
               </p:sp>
             </mc:Fallback>
           </mc:AlternateContent>
-          <mc:AlternateContent xmlns:mc="http://schemas.openxmlformats.org/markup-compatibility/2006">
-            <mc:Choice xmlns:a14="http://schemas.microsoft.com/office/drawing/2010/main" Requires="a14">
+          <mc:AlternateContent xmlns:mc="http://schemas.openxmlformats.org/markup-compatibility/2006" xmlns:a14="http://schemas.microsoft.com/office/drawing/2010/main">
+            <mc:Choice Requires="a14">
               <p:sp>
                 <p:nvSpPr>
                   <p:cNvPr id="35" name="TextBox 34">
@@ -8034,7 +8034,7 @@
                 </p:txBody>
               </p:sp>
             </mc:Choice>
-            <mc:Fallback>
+            <mc:Fallback xmlns="">
               <p:sp>
                 <p:nvSpPr>
                   <p:cNvPr id="35" name="TextBox 34">
@@ -8149,7 +8149,7 @@
               </p:nvSpPr>
               <p:spPr>
                 <a:xfrm>
-                  <a:off x="6554728" y="4233314"/>
+                  <a:off x="6571057" y="4233314"/>
                   <a:ext cx="136306" cy="130428"/>
                 </a:xfrm>
                 <a:prstGeom prst="ellipse">
@@ -8314,8 +8314,8 @@
               </p:nvSpPr>
               <p:spPr>
                 <a:xfrm>
-                  <a:off x="7324488" y="4041031"/>
-                  <a:ext cx="45719" cy="313674"/>
+                  <a:off x="7324488" y="4065349"/>
+                  <a:ext cx="45719" cy="289356"/>
                 </a:xfrm>
                 <a:prstGeom prst="rect">
                   <a:avLst/>
@@ -8368,7 +8368,7 @@
               </p:nvSpPr>
               <p:spPr>
                 <a:xfrm>
-                  <a:off x="7279890" y="4206347"/>
+                  <a:off x="7279890" y="4222676"/>
                   <a:ext cx="136306" cy="130428"/>
                 </a:xfrm>
                 <a:prstGeom prst="ellipse">
@@ -8479,7 +8479,7 @@
               </p:nvSpPr>
               <p:spPr>
                 <a:xfrm>
-                  <a:off x="6554728" y="4233314"/>
+                  <a:off x="6571057" y="4233314"/>
                   <a:ext cx="136306" cy="130428"/>
                 </a:xfrm>
                 <a:prstGeom prst="ellipse">
@@ -8590,7 +8590,7 @@
                 </p:nvSpPr>
                 <p:spPr>
                   <a:xfrm>
-                    <a:off x="5741480" y="6730327"/>
+                    <a:off x="5741480" y="6684610"/>
                     <a:ext cx="577101" cy="400110"/>
                   </a:xfrm>
                   <a:prstGeom prst="rect">
@@ -8687,7 +8687,7 @@
                 </p:nvSpPr>
                 <p:spPr>
                   <a:xfrm>
-                    <a:off x="5741480" y="6730327"/>
+                    <a:off x="5741480" y="6684610"/>
                     <a:ext cx="577101" cy="400110"/>
                   </a:xfrm>
                   <a:prstGeom prst="rect">
@@ -8696,7 +8696,7 @@
                   <a:blipFill>
                     <a:blip r:embed="rId21"/>
                     <a:stretch>
-                      <a:fillRect b="-3125"/>
+                      <a:fillRect/>
                     </a:stretch>
                   </a:blipFill>
                 </p:spPr>
@@ -8731,7 +8731,7 @@
                 </p:nvSpPr>
                 <p:spPr>
                   <a:xfrm>
-                    <a:off x="6152308" y="6750457"/>
+                    <a:off x="6124598" y="6685145"/>
                     <a:ext cx="914400" cy="400110"/>
                   </a:xfrm>
                   <a:prstGeom prst="rect">
@@ -8817,7 +8817,7 @@
                 </p:nvSpPr>
                 <p:spPr>
                   <a:xfrm>
-                    <a:off x="6152308" y="6750457"/>
+                    <a:off x="6124598" y="6685145"/>
                     <a:ext cx="914400" cy="400110"/>
                   </a:xfrm>
                   <a:prstGeom prst="rect">
@@ -8859,9 +8859,9 @@
             </p:nvGrpSpPr>
             <p:grpSpPr>
               <a:xfrm>
-                <a:off x="404766" y="6770794"/>
+                <a:off x="404766" y="6757732"/>
                 <a:ext cx="914400" cy="914400"/>
-                <a:chOff x="341123" y="8486622"/>
+                <a:chOff x="341123" y="8473560"/>
                 <a:chExt cx="914400" cy="914400"/>
               </a:xfrm>
             </p:grpSpPr>
@@ -8893,7 +8893,7 @@
               </p:blipFill>
               <p:spPr>
                 <a:xfrm>
-                  <a:off x="341123" y="8486622"/>
+                  <a:off x="341123" y="8473560"/>
                   <a:ext cx="914400" cy="914400"/>
                 </a:xfrm>
                 <a:prstGeom prst="rect">
@@ -8915,7 +8915,7 @@
               </p:nvSpPr>
               <p:spPr>
                 <a:xfrm>
-                  <a:off x="728075" y="9112267"/>
+                  <a:off x="734606" y="9099205"/>
                   <a:ext cx="136306" cy="130428"/>
                 </a:xfrm>
                 <a:prstGeom prst="ellipse">
@@ -8969,7 +8969,7 @@
               </p:nvSpPr>
               <p:spPr>
                 <a:xfrm>
-                  <a:off x="770112" y="8616862"/>
+                  <a:off x="776643" y="8603800"/>
                   <a:ext cx="45719" cy="515672"/>
                 </a:xfrm>
                 <a:prstGeom prst="rect">
@@ -9026,7 +9026,7 @@
                 </p:nvSpPr>
                 <p:spPr>
                   <a:xfrm>
-                    <a:off x="836345" y="6739938"/>
+                    <a:off x="836345" y="6681159"/>
                     <a:ext cx="577101" cy="400110"/>
                   </a:xfrm>
                   <a:prstGeom prst="rect">
@@ -9123,7 +9123,7 @@
                 </p:nvSpPr>
                 <p:spPr>
                   <a:xfrm>
-                    <a:off x="836345" y="6739938"/>
+                    <a:off x="836345" y="6681159"/>
                     <a:ext cx="577101" cy="400110"/>
                   </a:xfrm>
                   <a:prstGeom prst="rect">
@@ -9132,7 +9132,7 @@
                   <a:blipFill>
                     <a:blip r:embed="rId23"/>
                     <a:stretch>
-                      <a:fillRect/>
+                      <a:fillRect b="-3125"/>
                     </a:stretch>
                   </a:blipFill>
                 </p:spPr>
@@ -11090,8 +11090,8 @@
                   </a:p>
                 </p:txBody>
               </p:sp>
-              <mc:AlternateContent xmlns:mc="http://schemas.openxmlformats.org/markup-compatibility/2006">
-                <mc:Choice xmlns:a14="http://schemas.microsoft.com/office/drawing/2010/main" Requires="a14">
+              <mc:AlternateContent xmlns:mc="http://schemas.openxmlformats.org/markup-compatibility/2006" xmlns:a14="http://schemas.microsoft.com/office/drawing/2010/main">
+                <mc:Choice Requires="a14">
                   <p:sp>
                     <p:nvSpPr>
                       <p:cNvPr id="120" name="Rectangle 119">
@@ -11216,7 +11216,7 @@
                     </p:txBody>
                   </p:sp>
                 </mc:Choice>
-                <mc:Fallback>
+                <mc:Fallback xmlns="">
                   <p:sp>
                     <p:nvSpPr>
                       <p:cNvPr id="120" name="Rectangle 119">
@@ -11353,8 +11353,8 @@
                   </a:fontRef>
                 </p:style>
               </p:cxnSp>
-              <mc:AlternateContent xmlns:mc="http://schemas.openxmlformats.org/markup-compatibility/2006">
-                <mc:Choice xmlns:a14="http://schemas.microsoft.com/office/drawing/2010/main" Requires="a14">
+              <mc:AlternateContent xmlns:mc="http://schemas.openxmlformats.org/markup-compatibility/2006" xmlns:a14="http://schemas.microsoft.com/office/drawing/2010/main">
+                <mc:Choice Requires="a14">
                   <p:sp>
                     <p:nvSpPr>
                       <p:cNvPr id="125" name="Rectangle 124">
@@ -11477,7 +11477,7 @@
                     </p:txBody>
                   </p:sp>
                 </mc:Choice>
-                <mc:Fallback>
+                <mc:Fallback xmlns="">
                   <p:sp>
                     <p:nvSpPr>
                       <p:cNvPr id="125" name="Rectangle 124">
@@ -12312,8 +12312,8 @@
                 </p:sp>
               </mc:Fallback>
             </mc:AlternateContent>
-            <mc:AlternateContent xmlns:mc="http://schemas.openxmlformats.org/markup-compatibility/2006">
-              <mc:Choice xmlns:a14="http://schemas.microsoft.com/office/drawing/2010/main" Requires="a14">
+            <mc:AlternateContent xmlns:mc="http://schemas.openxmlformats.org/markup-compatibility/2006" xmlns:a14="http://schemas.microsoft.com/office/drawing/2010/main">
+              <mc:Choice Requires="a14">
                 <p:sp>
                   <p:nvSpPr>
                     <p:cNvPr id="98" name="Rectangle 3">
@@ -12534,7 +12534,7 @@
                   </p:txBody>
                 </p:sp>
               </mc:Choice>
-              <mc:Fallback>
+              <mc:Fallback xmlns="">
                 <p:sp>
                   <p:nvSpPr>
                     <p:cNvPr id="98" name="Rectangle 3">
@@ -12611,8 +12611,8 @@
                 </p:sp>
               </mc:Fallback>
             </mc:AlternateContent>
-            <mc:AlternateContent xmlns:mc="http://schemas.openxmlformats.org/markup-compatibility/2006">
-              <mc:Choice xmlns:a14="http://schemas.microsoft.com/office/drawing/2010/main" Requires="a14">
+            <mc:AlternateContent xmlns:mc="http://schemas.openxmlformats.org/markup-compatibility/2006" xmlns:a14="http://schemas.microsoft.com/office/drawing/2010/main">
+              <mc:Choice Requires="a14">
                 <p:sp>
                   <p:nvSpPr>
                     <p:cNvPr id="99" name="Rectangle 98">
@@ -13184,7 +13184,7 @@
                   </p:txBody>
                 </p:sp>
               </mc:Choice>
-              <mc:Fallback>
+              <mc:Fallback xmlns="">
                 <p:sp>
                   <p:nvSpPr>
                     <p:cNvPr id="99" name="Rectangle 98">
